--- a/ppt 16-9/1098.耶和华是我.pptx
+++ b/ppt 16-9/1098.耶和华是我.pptx
@@ -5,7 +5,7 @@
     <p:sldMasterId id="2147483648" r:id="rId1"/>
   </p:sldMasterIdLst>
   <p:sldIdLst>
-    <p:sldId id="563" r:id="rId2"/>
+    <p:sldId id="565" r:id="rId2"/>
   </p:sldIdLst>
   <p:sldSz cx="12192000" cy="6858000"/>
   <p:notesSz cx="6858000" cy="9144000"/>
@@ -129,7 +129,7 @@
           <p:cNvPr id="2" name="标题 1">
             <a:extLst>
               <a:ext uri="{FF2B5EF4-FFF2-40B4-BE49-F238E27FC236}">
-                <a16:creationId xmlns:a16="http://schemas.microsoft.com/office/drawing/2014/main" id="{1482D481-1E0E-A918-1F9C-DF9BA59E3AE5}"/>
+                <a16:creationId xmlns:a16="http://schemas.microsoft.com/office/drawing/2014/main" id="{901A44CC-02F6-6862-C836-095F1C548E41}"/>
               </a:ext>
             </a:extLst>
           </p:cNvPr>
@@ -166,7 +166,7 @@
           <p:cNvPr id="3" name="副标题 2">
             <a:extLst>
               <a:ext uri="{FF2B5EF4-FFF2-40B4-BE49-F238E27FC236}">
-                <a16:creationId xmlns:a16="http://schemas.microsoft.com/office/drawing/2014/main" id="{1990F60C-FE1E-2435-3B18-2EAA87783645}"/>
+                <a16:creationId xmlns:a16="http://schemas.microsoft.com/office/drawing/2014/main" id="{DDEF2518-8180-E362-991D-BCA1B96E3FF0}"/>
               </a:ext>
             </a:extLst>
           </p:cNvPr>
@@ -236,7 +236,7 @@
           <p:cNvPr id="4" name="日期占位符 3">
             <a:extLst>
               <a:ext uri="{FF2B5EF4-FFF2-40B4-BE49-F238E27FC236}">
-                <a16:creationId xmlns:a16="http://schemas.microsoft.com/office/drawing/2014/main" id="{8C30812A-E686-0CE1-D2D6-3D3A12B5838A}"/>
+                <a16:creationId xmlns:a16="http://schemas.microsoft.com/office/drawing/2014/main" id="{4CBBC990-9214-1B67-1B51-766A9FEAD925}"/>
               </a:ext>
             </a:extLst>
           </p:cNvPr>
@@ -252,7 +252,7 @@
           <a:bodyPr/>
           <a:lstStyle/>
           <a:p>
-            <a:fld id="{31FB4B60-FA0B-4F76-BFE0-6ACA4C4B679D}" type="datetimeFigureOut">
+            <a:fld id="{0C1E58D3-8299-4840-B957-52094E636468}" type="datetimeFigureOut">
               <a:rPr lang="zh-CN" altLang="en-US" smtClean="0"/>
               <a:t>2024/3/10</a:t>
             </a:fld>
@@ -265,7 +265,7 @@
           <p:cNvPr id="5" name="页脚占位符 4">
             <a:extLst>
               <a:ext uri="{FF2B5EF4-FFF2-40B4-BE49-F238E27FC236}">
-                <a16:creationId xmlns:a16="http://schemas.microsoft.com/office/drawing/2014/main" id="{4D1E9B73-BE00-75DA-B533-E1AAC0B300C5}"/>
+                <a16:creationId xmlns:a16="http://schemas.microsoft.com/office/drawing/2014/main" id="{BCFD604D-DFD0-B313-CB76-AF4D00BE3394}"/>
               </a:ext>
             </a:extLst>
           </p:cNvPr>
@@ -290,7 +290,7 @@
           <p:cNvPr id="6" name="灯片编号占位符 5">
             <a:extLst>
               <a:ext uri="{FF2B5EF4-FFF2-40B4-BE49-F238E27FC236}">
-                <a16:creationId xmlns:a16="http://schemas.microsoft.com/office/drawing/2014/main" id="{2045939D-5D57-9BEC-DD98-9771E136A8F3}"/>
+                <a16:creationId xmlns:a16="http://schemas.microsoft.com/office/drawing/2014/main" id="{ABFB9A3B-A0EF-116A-F6D8-B514AE09B3FE}"/>
               </a:ext>
             </a:extLst>
           </p:cNvPr>
@@ -306,7 +306,7 @@
           <a:bodyPr/>
           <a:lstStyle/>
           <a:p>
-            <a:fld id="{75DF9B90-6794-4D50-9DBE-970EBFE5DBD9}" type="slidenum">
+            <a:fld id="{EDDB2F8A-B382-4345-850A-89479CC4E77A}" type="slidenum">
               <a:rPr lang="zh-CN" altLang="en-US" smtClean="0"/>
               <a:t>‹#›</a:t>
             </a:fld>
@@ -317,7 +317,7 @@
     </p:spTree>
     <p:extLst>
       <p:ext uri="{BB962C8B-B14F-4D97-AF65-F5344CB8AC3E}">
-        <p14:creationId xmlns:p14="http://schemas.microsoft.com/office/powerpoint/2010/main" val="1900791662"/>
+        <p14:creationId xmlns:p14="http://schemas.microsoft.com/office/powerpoint/2010/main" val="4262688812"/>
       </p:ext>
     </p:extLst>
   </p:cSld>
@@ -349,7 +349,7 @@
           <p:cNvPr id="2" name="标题 1">
             <a:extLst>
               <a:ext uri="{FF2B5EF4-FFF2-40B4-BE49-F238E27FC236}">
-                <a16:creationId xmlns:a16="http://schemas.microsoft.com/office/drawing/2014/main" id="{21A9F1BC-7217-2578-2817-22DE4F76A984}"/>
+                <a16:creationId xmlns:a16="http://schemas.microsoft.com/office/drawing/2014/main" id="{3F940207-6F8C-8AD4-F0E3-E2F895B95F08}"/>
               </a:ext>
             </a:extLst>
           </p:cNvPr>
@@ -377,7 +377,7 @@
           <p:cNvPr id="3" name="竖排文字占位符 2">
             <a:extLst>
               <a:ext uri="{FF2B5EF4-FFF2-40B4-BE49-F238E27FC236}">
-                <a16:creationId xmlns:a16="http://schemas.microsoft.com/office/drawing/2014/main" id="{2A1430FA-2C9A-5AC0-8B40-6A054CD794F6}"/>
+                <a16:creationId xmlns:a16="http://schemas.microsoft.com/office/drawing/2014/main" id="{6FF7B2AA-D0C8-969E-D4B2-D077BB6EE8F0}"/>
               </a:ext>
             </a:extLst>
           </p:cNvPr>
@@ -434,7 +434,7 @@
           <p:cNvPr id="4" name="日期占位符 3">
             <a:extLst>
               <a:ext uri="{FF2B5EF4-FFF2-40B4-BE49-F238E27FC236}">
-                <a16:creationId xmlns:a16="http://schemas.microsoft.com/office/drawing/2014/main" id="{B0318BB9-2242-57A1-DE79-41E29FD01062}"/>
+                <a16:creationId xmlns:a16="http://schemas.microsoft.com/office/drawing/2014/main" id="{B42FC11E-F275-0CC2-B21F-74A3805F248B}"/>
               </a:ext>
             </a:extLst>
           </p:cNvPr>
@@ -450,7 +450,7 @@
           <a:bodyPr/>
           <a:lstStyle/>
           <a:p>
-            <a:fld id="{31FB4B60-FA0B-4F76-BFE0-6ACA4C4B679D}" type="datetimeFigureOut">
+            <a:fld id="{0C1E58D3-8299-4840-B957-52094E636468}" type="datetimeFigureOut">
               <a:rPr lang="zh-CN" altLang="en-US" smtClean="0"/>
               <a:t>2024/3/10</a:t>
             </a:fld>
@@ -463,7 +463,7 @@
           <p:cNvPr id="5" name="页脚占位符 4">
             <a:extLst>
               <a:ext uri="{FF2B5EF4-FFF2-40B4-BE49-F238E27FC236}">
-                <a16:creationId xmlns:a16="http://schemas.microsoft.com/office/drawing/2014/main" id="{F2EEF5CB-3AD5-3037-D1A3-902191372F18}"/>
+                <a16:creationId xmlns:a16="http://schemas.microsoft.com/office/drawing/2014/main" id="{CFA1E55C-5C95-1B85-9BD9-9F636E79DC43}"/>
               </a:ext>
             </a:extLst>
           </p:cNvPr>
@@ -488,7 +488,7 @@
           <p:cNvPr id="6" name="灯片编号占位符 5">
             <a:extLst>
               <a:ext uri="{FF2B5EF4-FFF2-40B4-BE49-F238E27FC236}">
-                <a16:creationId xmlns:a16="http://schemas.microsoft.com/office/drawing/2014/main" id="{61797F1A-29BB-20AC-1D4C-CA9EE4FF48EA}"/>
+                <a16:creationId xmlns:a16="http://schemas.microsoft.com/office/drawing/2014/main" id="{5EE72B7D-C447-8CC8-32B8-08C865AF0545}"/>
               </a:ext>
             </a:extLst>
           </p:cNvPr>
@@ -504,7 +504,7 @@
           <a:bodyPr/>
           <a:lstStyle/>
           <a:p>
-            <a:fld id="{75DF9B90-6794-4D50-9DBE-970EBFE5DBD9}" type="slidenum">
+            <a:fld id="{EDDB2F8A-B382-4345-850A-89479CC4E77A}" type="slidenum">
               <a:rPr lang="zh-CN" altLang="en-US" smtClean="0"/>
               <a:t>‹#›</a:t>
             </a:fld>
@@ -515,7 +515,7 @@
     </p:spTree>
     <p:extLst>
       <p:ext uri="{BB962C8B-B14F-4D97-AF65-F5344CB8AC3E}">
-        <p14:creationId xmlns:p14="http://schemas.microsoft.com/office/powerpoint/2010/main" val="3322333141"/>
+        <p14:creationId xmlns:p14="http://schemas.microsoft.com/office/powerpoint/2010/main" val="1522166381"/>
       </p:ext>
     </p:extLst>
   </p:cSld>
@@ -547,7 +547,7 @@
           <p:cNvPr id="2" name="竖排标题 1">
             <a:extLst>
               <a:ext uri="{FF2B5EF4-FFF2-40B4-BE49-F238E27FC236}">
-                <a16:creationId xmlns:a16="http://schemas.microsoft.com/office/drawing/2014/main" id="{DBCC8B37-8110-6155-51EE-3EEFCD6E2C4D}"/>
+                <a16:creationId xmlns:a16="http://schemas.microsoft.com/office/drawing/2014/main" id="{BE9259E4-819D-2AC4-7DC8-5BC78E985DB4}"/>
               </a:ext>
             </a:extLst>
           </p:cNvPr>
@@ -580,7 +580,7 @@
           <p:cNvPr id="3" name="竖排文字占位符 2">
             <a:extLst>
               <a:ext uri="{FF2B5EF4-FFF2-40B4-BE49-F238E27FC236}">
-                <a16:creationId xmlns:a16="http://schemas.microsoft.com/office/drawing/2014/main" id="{4447705C-4614-C9C0-E357-485D7E149450}"/>
+                <a16:creationId xmlns:a16="http://schemas.microsoft.com/office/drawing/2014/main" id="{88155BE7-F674-6304-C02A-4572E075B821}"/>
               </a:ext>
             </a:extLst>
           </p:cNvPr>
@@ -642,7 +642,7 @@
           <p:cNvPr id="4" name="日期占位符 3">
             <a:extLst>
               <a:ext uri="{FF2B5EF4-FFF2-40B4-BE49-F238E27FC236}">
-                <a16:creationId xmlns:a16="http://schemas.microsoft.com/office/drawing/2014/main" id="{98EC3B4E-2F7A-8895-5EAD-3F14CBC647B0}"/>
+                <a16:creationId xmlns:a16="http://schemas.microsoft.com/office/drawing/2014/main" id="{A623825B-2249-BD09-D242-F01BF87F6740}"/>
               </a:ext>
             </a:extLst>
           </p:cNvPr>
@@ -658,7 +658,7 @@
           <a:bodyPr/>
           <a:lstStyle/>
           <a:p>
-            <a:fld id="{31FB4B60-FA0B-4F76-BFE0-6ACA4C4B679D}" type="datetimeFigureOut">
+            <a:fld id="{0C1E58D3-8299-4840-B957-52094E636468}" type="datetimeFigureOut">
               <a:rPr lang="zh-CN" altLang="en-US" smtClean="0"/>
               <a:t>2024/3/10</a:t>
             </a:fld>
@@ -671,7 +671,7 @@
           <p:cNvPr id="5" name="页脚占位符 4">
             <a:extLst>
               <a:ext uri="{FF2B5EF4-FFF2-40B4-BE49-F238E27FC236}">
-                <a16:creationId xmlns:a16="http://schemas.microsoft.com/office/drawing/2014/main" id="{7CD5559C-35C6-E498-C3B1-BA8B87C8848F}"/>
+                <a16:creationId xmlns:a16="http://schemas.microsoft.com/office/drawing/2014/main" id="{7EAA3AB6-E913-4FC4-1A17-2880D367C57B}"/>
               </a:ext>
             </a:extLst>
           </p:cNvPr>
@@ -696,7 +696,7 @@
           <p:cNvPr id="6" name="灯片编号占位符 5">
             <a:extLst>
               <a:ext uri="{FF2B5EF4-FFF2-40B4-BE49-F238E27FC236}">
-                <a16:creationId xmlns:a16="http://schemas.microsoft.com/office/drawing/2014/main" id="{128B0627-E493-78AE-C2D9-9D03497CEBB9}"/>
+                <a16:creationId xmlns:a16="http://schemas.microsoft.com/office/drawing/2014/main" id="{7159BBD9-4CE1-33DB-1574-DA4E4A124CD0}"/>
               </a:ext>
             </a:extLst>
           </p:cNvPr>
@@ -712,7 +712,7 @@
           <a:bodyPr/>
           <a:lstStyle/>
           <a:p>
-            <a:fld id="{75DF9B90-6794-4D50-9DBE-970EBFE5DBD9}" type="slidenum">
+            <a:fld id="{EDDB2F8A-B382-4345-850A-89479CC4E77A}" type="slidenum">
               <a:rPr lang="zh-CN" altLang="en-US" smtClean="0"/>
               <a:t>‹#›</a:t>
             </a:fld>
@@ -723,7 +723,7 @@
     </p:spTree>
     <p:extLst>
       <p:ext uri="{BB962C8B-B14F-4D97-AF65-F5344CB8AC3E}">
-        <p14:creationId xmlns:p14="http://schemas.microsoft.com/office/powerpoint/2010/main" val="2949505746"/>
+        <p14:creationId xmlns:p14="http://schemas.microsoft.com/office/powerpoint/2010/main" val="2985873223"/>
       </p:ext>
     </p:extLst>
   </p:cSld>
@@ -755,7 +755,7 @@
           <p:cNvPr id="2" name="标题 1">
             <a:extLst>
               <a:ext uri="{FF2B5EF4-FFF2-40B4-BE49-F238E27FC236}">
-                <a16:creationId xmlns:a16="http://schemas.microsoft.com/office/drawing/2014/main" id="{F9CF6C79-06FA-5AAD-85AE-0FA09697F126}"/>
+                <a16:creationId xmlns:a16="http://schemas.microsoft.com/office/drawing/2014/main" id="{435F8B14-230F-A3F6-DE70-38B6A9ACAE39}"/>
               </a:ext>
             </a:extLst>
           </p:cNvPr>
@@ -783,7 +783,7 @@
           <p:cNvPr id="3" name="内容占位符 2">
             <a:extLst>
               <a:ext uri="{FF2B5EF4-FFF2-40B4-BE49-F238E27FC236}">
-                <a16:creationId xmlns:a16="http://schemas.microsoft.com/office/drawing/2014/main" id="{DCDBD6B4-CD59-C5C7-ACE4-A2045B704A7A}"/>
+                <a16:creationId xmlns:a16="http://schemas.microsoft.com/office/drawing/2014/main" id="{CAF563C1-BFB0-CB8D-D2CA-B5B7126E1CE9}"/>
               </a:ext>
             </a:extLst>
           </p:cNvPr>
@@ -840,7 +840,7 @@
           <p:cNvPr id="4" name="日期占位符 3">
             <a:extLst>
               <a:ext uri="{FF2B5EF4-FFF2-40B4-BE49-F238E27FC236}">
-                <a16:creationId xmlns:a16="http://schemas.microsoft.com/office/drawing/2014/main" id="{756DE033-976C-2C5B-1FF5-4E426AE4197D}"/>
+                <a16:creationId xmlns:a16="http://schemas.microsoft.com/office/drawing/2014/main" id="{9D0E0EFF-D6B5-B90A-CB18-952CEA047F09}"/>
               </a:ext>
             </a:extLst>
           </p:cNvPr>
@@ -856,7 +856,7 @@
           <a:bodyPr/>
           <a:lstStyle/>
           <a:p>
-            <a:fld id="{31FB4B60-FA0B-4F76-BFE0-6ACA4C4B679D}" type="datetimeFigureOut">
+            <a:fld id="{0C1E58D3-8299-4840-B957-52094E636468}" type="datetimeFigureOut">
               <a:rPr lang="zh-CN" altLang="en-US" smtClean="0"/>
               <a:t>2024/3/10</a:t>
             </a:fld>
@@ -869,7 +869,7 @@
           <p:cNvPr id="5" name="页脚占位符 4">
             <a:extLst>
               <a:ext uri="{FF2B5EF4-FFF2-40B4-BE49-F238E27FC236}">
-                <a16:creationId xmlns:a16="http://schemas.microsoft.com/office/drawing/2014/main" id="{478742DB-0E81-9F29-F804-838BB5489058}"/>
+                <a16:creationId xmlns:a16="http://schemas.microsoft.com/office/drawing/2014/main" id="{BDF76816-C4DE-1579-B109-B5D30DA49E07}"/>
               </a:ext>
             </a:extLst>
           </p:cNvPr>
@@ -894,7 +894,7 @@
           <p:cNvPr id="6" name="灯片编号占位符 5">
             <a:extLst>
               <a:ext uri="{FF2B5EF4-FFF2-40B4-BE49-F238E27FC236}">
-                <a16:creationId xmlns:a16="http://schemas.microsoft.com/office/drawing/2014/main" id="{7DBCA882-8F7B-19C1-9E31-F156C8081ED6}"/>
+                <a16:creationId xmlns:a16="http://schemas.microsoft.com/office/drawing/2014/main" id="{C45B714A-B8D8-1747-C540-EEC9F0DBB559}"/>
               </a:ext>
             </a:extLst>
           </p:cNvPr>
@@ -910,7 +910,7 @@
           <a:bodyPr/>
           <a:lstStyle/>
           <a:p>
-            <a:fld id="{75DF9B90-6794-4D50-9DBE-970EBFE5DBD9}" type="slidenum">
+            <a:fld id="{EDDB2F8A-B382-4345-850A-89479CC4E77A}" type="slidenum">
               <a:rPr lang="zh-CN" altLang="en-US" smtClean="0"/>
               <a:t>‹#›</a:t>
             </a:fld>
@@ -921,7 +921,7 @@
     </p:spTree>
     <p:extLst>
       <p:ext uri="{BB962C8B-B14F-4D97-AF65-F5344CB8AC3E}">
-        <p14:creationId xmlns:p14="http://schemas.microsoft.com/office/powerpoint/2010/main" val="3904274951"/>
+        <p14:creationId xmlns:p14="http://schemas.microsoft.com/office/powerpoint/2010/main" val="2190027244"/>
       </p:ext>
     </p:extLst>
   </p:cSld>
@@ -953,7 +953,7 @@
           <p:cNvPr id="2" name="标题 1">
             <a:extLst>
               <a:ext uri="{FF2B5EF4-FFF2-40B4-BE49-F238E27FC236}">
-                <a16:creationId xmlns:a16="http://schemas.microsoft.com/office/drawing/2014/main" id="{98B5D6BC-4A44-9BAC-B305-1D6D11B22C52}"/>
+                <a16:creationId xmlns:a16="http://schemas.microsoft.com/office/drawing/2014/main" id="{378EDB8B-2C7D-892B-CF93-58B8DCCD1656}"/>
               </a:ext>
             </a:extLst>
           </p:cNvPr>
@@ -990,7 +990,7 @@
           <p:cNvPr id="3" name="文本占位符 2">
             <a:extLst>
               <a:ext uri="{FF2B5EF4-FFF2-40B4-BE49-F238E27FC236}">
-                <a16:creationId xmlns:a16="http://schemas.microsoft.com/office/drawing/2014/main" id="{B21F10B4-0F6E-DB37-4BC1-28318EE9C60E}"/>
+                <a16:creationId xmlns:a16="http://schemas.microsoft.com/office/drawing/2014/main" id="{1DA72951-44A6-F11E-7995-B5616159689C}"/>
               </a:ext>
             </a:extLst>
           </p:cNvPr>
@@ -1115,7 +1115,7 @@
           <p:cNvPr id="4" name="日期占位符 3">
             <a:extLst>
               <a:ext uri="{FF2B5EF4-FFF2-40B4-BE49-F238E27FC236}">
-                <a16:creationId xmlns:a16="http://schemas.microsoft.com/office/drawing/2014/main" id="{E9F92177-BC23-34A0-41FD-7905ED991C37}"/>
+                <a16:creationId xmlns:a16="http://schemas.microsoft.com/office/drawing/2014/main" id="{B3E0D54C-B83D-C253-9D26-DDB834BC50FD}"/>
               </a:ext>
             </a:extLst>
           </p:cNvPr>
@@ -1131,7 +1131,7 @@
           <a:bodyPr/>
           <a:lstStyle/>
           <a:p>
-            <a:fld id="{31FB4B60-FA0B-4F76-BFE0-6ACA4C4B679D}" type="datetimeFigureOut">
+            <a:fld id="{0C1E58D3-8299-4840-B957-52094E636468}" type="datetimeFigureOut">
               <a:rPr lang="zh-CN" altLang="en-US" smtClean="0"/>
               <a:t>2024/3/10</a:t>
             </a:fld>
@@ -1144,7 +1144,7 @@
           <p:cNvPr id="5" name="页脚占位符 4">
             <a:extLst>
               <a:ext uri="{FF2B5EF4-FFF2-40B4-BE49-F238E27FC236}">
-                <a16:creationId xmlns:a16="http://schemas.microsoft.com/office/drawing/2014/main" id="{0AEAF9BF-5052-BEBF-E3B9-C73B1EFF17C5}"/>
+                <a16:creationId xmlns:a16="http://schemas.microsoft.com/office/drawing/2014/main" id="{25D18062-9434-BBD6-1F34-92D2DCFBC69E}"/>
               </a:ext>
             </a:extLst>
           </p:cNvPr>
@@ -1169,7 +1169,7 @@
           <p:cNvPr id="6" name="灯片编号占位符 5">
             <a:extLst>
               <a:ext uri="{FF2B5EF4-FFF2-40B4-BE49-F238E27FC236}">
-                <a16:creationId xmlns:a16="http://schemas.microsoft.com/office/drawing/2014/main" id="{D805B4DC-6201-3100-21E9-91BD9B0B0D38}"/>
+                <a16:creationId xmlns:a16="http://schemas.microsoft.com/office/drawing/2014/main" id="{1BE0DC7C-3BCC-4B54-27A0-08B6BF01A1C0}"/>
               </a:ext>
             </a:extLst>
           </p:cNvPr>
@@ -1185,7 +1185,7 @@
           <a:bodyPr/>
           <a:lstStyle/>
           <a:p>
-            <a:fld id="{75DF9B90-6794-4D50-9DBE-970EBFE5DBD9}" type="slidenum">
+            <a:fld id="{EDDB2F8A-B382-4345-850A-89479CC4E77A}" type="slidenum">
               <a:rPr lang="zh-CN" altLang="en-US" smtClean="0"/>
               <a:t>‹#›</a:t>
             </a:fld>
@@ -1196,7 +1196,7 @@
     </p:spTree>
     <p:extLst>
       <p:ext uri="{BB962C8B-B14F-4D97-AF65-F5344CB8AC3E}">
-        <p14:creationId xmlns:p14="http://schemas.microsoft.com/office/powerpoint/2010/main" val="3147054771"/>
+        <p14:creationId xmlns:p14="http://schemas.microsoft.com/office/powerpoint/2010/main" val="29042161"/>
       </p:ext>
     </p:extLst>
   </p:cSld>
@@ -1228,7 +1228,7 @@
           <p:cNvPr id="2" name="标题 1">
             <a:extLst>
               <a:ext uri="{FF2B5EF4-FFF2-40B4-BE49-F238E27FC236}">
-                <a16:creationId xmlns:a16="http://schemas.microsoft.com/office/drawing/2014/main" id="{1B3C05E1-4ADE-9446-8E9C-69A3D182AA88}"/>
+                <a16:creationId xmlns:a16="http://schemas.microsoft.com/office/drawing/2014/main" id="{DD4E575F-CA78-8AD3-FE4A-58CBF14C17AF}"/>
               </a:ext>
             </a:extLst>
           </p:cNvPr>
@@ -1256,7 +1256,7 @@
           <p:cNvPr id="3" name="内容占位符 2">
             <a:extLst>
               <a:ext uri="{FF2B5EF4-FFF2-40B4-BE49-F238E27FC236}">
-                <a16:creationId xmlns:a16="http://schemas.microsoft.com/office/drawing/2014/main" id="{4020BEF7-D472-1958-9EB2-D2BEA09F2B5E}"/>
+                <a16:creationId xmlns:a16="http://schemas.microsoft.com/office/drawing/2014/main" id="{6850E2CB-CB51-279B-56E5-0EEEF0CE33C8}"/>
               </a:ext>
             </a:extLst>
           </p:cNvPr>
@@ -1318,7 +1318,7 @@
           <p:cNvPr id="4" name="内容占位符 3">
             <a:extLst>
               <a:ext uri="{FF2B5EF4-FFF2-40B4-BE49-F238E27FC236}">
-                <a16:creationId xmlns:a16="http://schemas.microsoft.com/office/drawing/2014/main" id="{D98A0D1D-8645-EF50-BC2A-F0CC9AF81483}"/>
+                <a16:creationId xmlns:a16="http://schemas.microsoft.com/office/drawing/2014/main" id="{66426F93-DDAE-71A3-1FB4-2FFE69C9C130}"/>
               </a:ext>
             </a:extLst>
           </p:cNvPr>
@@ -1380,7 +1380,7 @@
           <p:cNvPr id="5" name="日期占位符 4">
             <a:extLst>
               <a:ext uri="{FF2B5EF4-FFF2-40B4-BE49-F238E27FC236}">
-                <a16:creationId xmlns:a16="http://schemas.microsoft.com/office/drawing/2014/main" id="{A19F5C27-CD71-2CAC-3EA2-7AEE39387471}"/>
+                <a16:creationId xmlns:a16="http://schemas.microsoft.com/office/drawing/2014/main" id="{0EFAF6EE-18A7-BB5B-7250-4AD133597CE0}"/>
               </a:ext>
             </a:extLst>
           </p:cNvPr>
@@ -1396,7 +1396,7 @@
           <a:bodyPr/>
           <a:lstStyle/>
           <a:p>
-            <a:fld id="{31FB4B60-FA0B-4F76-BFE0-6ACA4C4B679D}" type="datetimeFigureOut">
+            <a:fld id="{0C1E58D3-8299-4840-B957-52094E636468}" type="datetimeFigureOut">
               <a:rPr lang="zh-CN" altLang="en-US" smtClean="0"/>
               <a:t>2024/3/10</a:t>
             </a:fld>
@@ -1409,7 +1409,7 @@
           <p:cNvPr id="6" name="页脚占位符 5">
             <a:extLst>
               <a:ext uri="{FF2B5EF4-FFF2-40B4-BE49-F238E27FC236}">
-                <a16:creationId xmlns:a16="http://schemas.microsoft.com/office/drawing/2014/main" id="{F9D29112-5618-6AFB-CF19-2512FF7B7B6C}"/>
+                <a16:creationId xmlns:a16="http://schemas.microsoft.com/office/drawing/2014/main" id="{CA598CD6-E0A6-0CCF-9675-972F4763F45D}"/>
               </a:ext>
             </a:extLst>
           </p:cNvPr>
@@ -1434,7 +1434,7 @@
           <p:cNvPr id="7" name="灯片编号占位符 6">
             <a:extLst>
               <a:ext uri="{FF2B5EF4-FFF2-40B4-BE49-F238E27FC236}">
-                <a16:creationId xmlns:a16="http://schemas.microsoft.com/office/drawing/2014/main" id="{CE906C7F-31D7-B2CC-EFB8-1189667187D4}"/>
+                <a16:creationId xmlns:a16="http://schemas.microsoft.com/office/drawing/2014/main" id="{21040A17-ECB3-6E1E-7372-5FD5BC13A539}"/>
               </a:ext>
             </a:extLst>
           </p:cNvPr>
@@ -1450,7 +1450,7 @@
           <a:bodyPr/>
           <a:lstStyle/>
           <a:p>
-            <a:fld id="{75DF9B90-6794-4D50-9DBE-970EBFE5DBD9}" type="slidenum">
+            <a:fld id="{EDDB2F8A-B382-4345-850A-89479CC4E77A}" type="slidenum">
               <a:rPr lang="zh-CN" altLang="en-US" smtClean="0"/>
               <a:t>‹#›</a:t>
             </a:fld>
@@ -1461,7 +1461,7 @@
     </p:spTree>
     <p:extLst>
       <p:ext uri="{BB962C8B-B14F-4D97-AF65-F5344CB8AC3E}">
-        <p14:creationId xmlns:p14="http://schemas.microsoft.com/office/powerpoint/2010/main" val="1217059013"/>
+        <p14:creationId xmlns:p14="http://schemas.microsoft.com/office/powerpoint/2010/main" val="3227284406"/>
       </p:ext>
     </p:extLst>
   </p:cSld>
@@ -1493,7 +1493,7 @@
           <p:cNvPr id="2" name="标题 1">
             <a:extLst>
               <a:ext uri="{FF2B5EF4-FFF2-40B4-BE49-F238E27FC236}">
-                <a16:creationId xmlns:a16="http://schemas.microsoft.com/office/drawing/2014/main" id="{BDD1B8D9-DC1B-FDEB-6443-36515CB8E5B9}"/>
+                <a16:creationId xmlns:a16="http://schemas.microsoft.com/office/drawing/2014/main" id="{4C3C718D-7417-E5E4-0C09-E36813D0EFAB}"/>
               </a:ext>
             </a:extLst>
           </p:cNvPr>
@@ -1526,7 +1526,7 @@
           <p:cNvPr id="3" name="文本占位符 2">
             <a:extLst>
               <a:ext uri="{FF2B5EF4-FFF2-40B4-BE49-F238E27FC236}">
-                <a16:creationId xmlns:a16="http://schemas.microsoft.com/office/drawing/2014/main" id="{75DE8B61-DA92-16C4-C926-796D96604B52}"/>
+                <a16:creationId xmlns:a16="http://schemas.microsoft.com/office/drawing/2014/main" id="{DD6646AA-8F39-63D3-3515-A5009EDF25F6}"/>
               </a:ext>
             </a:extLst>
           </p:cNvPr>
@@ -1597,7 +1597,7 @@
           <p:cNvPr id="4" name="内容占位符 3">
             <a:extLst>
               <a:ext uri="{FF2B5EF4-FFF2-40B4-BE49-F238E27FC236}">
-                <a16:creationId xmlns:a16="http://schemas.microsoft.com/office/drawing/2014/main" id="{0F6C4F3F-DDAC-EA53-64AB-FBE22F539DB0}"/>
+                <a16:creationId xmlns:a16="http://schemas.microsoft.com/office/drawing/2014/main" id="{8387474F-2313-45AA-6158-9CFE512BD840}"/>
               </a:ext>
             </a:extLst>
           </p:cNvPr>
@@ -1659,7 +1659,7 @@
           <p:cNvPr id="5" name="文本占位符 4">
             <a:extLst>
               <a:ext uri="{FF2B5EF4-FFF2-40B4-BE49-F238E27FC236}">
-                <a16:creationId xmlns:a16="http://schemas.microsoft.com/office/drawing/2014/main" id="{2CF684A1-9196-79DC-7FC0-A8823313D210}"/>
+                <a16:creationId xmlns:a16="http://schemas.microsoft.com/office/drawing/2014/main" id="{79605529-99E8-6AAF-F3D3-F52B8FBDBF96}"/>
               </a:ext>
             </a:extLst>
           </p:cNvPr>
@@ -1730,7 +1730,7 @@
           <p:cNvPr id="6" name="内容占位符 5">
             <a:extLst>
               <a:ext uri="{FF2B5EF4-FFF2-40B4-BE49-F238E27FC236}">
-                <a16:creationId xmlns:a16="http://schemas.microsoft.com/office/drawing/2014/main" id="{1F5DCACE-F102-D526-131D-0245FAC3A509}"/>
+                <a16:creationId xmlns:a16="http://schemas.microsoft.com/office/drawing/2014/main" id="{A7F40152-AD3D-2DEE-1DEE-4D979D887A33}"/>
               </a:ext>
             </a:extLst>
           </p:cNvPr>
@@ -1792,7 +1792,7 @@
           <p:cNvPr id="7" name="日期占位符 6">
             <a:extLst>
               <a:ext uri="{FF2B5EF4-FFF2-40B4-BE49-F238E27FC236}">
-                <a16:creationId xmlns:a16="http://schemas.microsoft.com/office/drawing/2014/main" id="{FB9DE443-F1FB-DB31-6884-3A27683CE4F1}"/>
+                <a16:creationId xmlns:a16="http://schemas.microsoft.com/office/drawing/2014/main" id="{6660F4B2-52E8-2901-5858-C5033BA08B16}"/>
               </a:ext>
             </a:extLst>
           </p:cNvPr>
@@ -1808,7 +1808,7 @@
           <a:bodyPr/>
           <a:lstStyle/>
           <a:p>
-            <a:fld id="{31FB4B60-FA0B-4F76-BFE0-6ACA4C4B679D}" type="datetimeFigureOut">
+            <a:fld id="{0C1E58D3-8299-4840-B957-52094E636468}" type="datetimeFigureOut">
               <a:rPr lang="zh-CN" altLang="en-US" smtClean="0"/>
               <a:t>2024/3/10</a:t>
             </a:fld>
@@ -1821,7 +1821,7 @@
           <p:cNvPr id="8" name="页脚占位符 7">
             <a:extLst>
               <a:ext uri="{FF2B5EF4-FFF2-40B4-BE49-F238E27FC236}">
-                <a16:creationId xmlns:a16="http://schemas.microsoft.com/office/drawing/2014/main" id="{E6DA1896-62D0-E836-23B8-E16142B29AFF}"/>
+                <a16:creationId xmlns:a16="http://schemas.microsoft.com/office/drawing/2014/main" id="{B6F66E1B-0F6B-622D-2527-774299A12506}"/>
               </a:ext>
             </a:extLst>
           </p:cNvPr>
@@ -1846,7 +1846,7 @@
           <p:cNvPr id="9" name="灯片编号占位符 8">
             <a:extLst>
               <a:ext uri="{FF2B5EF4-FFF2-40B4-BE49-F238E27FC236}">
-                <a16:creationId xmlns:a16="http://schemas.microsoft.com/office/drawing/2014/main" id="{B520FA82-D9DD-7AF6-C735-D9B4146D719A}"/>
+                <a16:creationId xmlns:a16="http://schemas.microsoft.com/office/drawing/2014/main" id="{549B2D83-08D9-C125-B526-1FE87E2B0A63}"/>
               </a:ext>
             </a:extLst>
           </p:cNvPr>
@@ -1862,7 +1862,7 @@
           <a:bodyPr/>
           <a:lstStyle/>
           <a:p>
-            <a:fld id="{75DF9B90-6794-4D50-9DBE-970EBFE5DBD9}" type="slidenum">
+            <a:fld id="{EDDB2F8A-B382-4345-850A-89479CC4E77A}" type="slidenum">
               <a:rPr lang="zh-CN" altLang="en-US" smtClean="0"/>
               <a:t>‹#›</a:t>
             </a:fld>
@@ -1873,7 +1873,7 @@
     </p:spTree>
     <p:extLst>
       <p:ext uri="{BB962C8B-B14F-4D97-AF65-F5344CB8AC3E}">
-        <p14:creationId xmlns:p14="http://schemas.microsoft.com/office/powerpoint/2010/main" val="1162939390"/>
+        <p14:creationId xmlns:p14="http://schemas.microsoft.com/office/powerpoint/2010/main" val="1573416281"/>
       </p:ext>
     </p:extLst>
   </p:cSld>
@@ -1905,7 +1905,7 @@
           <p:cNvPr id="2" name="标题 1">
             <a:extLst>
               <a:ext uri="{FF2B5EF4-FFF2-40B4-BE49-F238E27FC236}">
-                <a16:creationId xmlns:a16="http://schemas.microsoft.com/office/drawing/2014/main" id="{3AC110A9-A2CC-700D-F25B-135CA5F25F6E}"/>
+                <a16:creationId xmlns:a16="http://schemas.microsoft.com/office/drawing/2014/main" id="{33B076C0-2A6B-4394-9117-2E42329897D5}"/>
               </a:ext>
             </a:extLst>
           </p:cNvPr>
@@ -1933,7 +1933,7 @@
           <p:cNvPr id="3" name="日期占位符 2">
             <a:extLst>
               <a:ext uri="{FF2B5EF4-FFF2-40B4-BE49-F238E27FC236}">
-                <a16:creationId xmlns:a16="http://schemas.microsoft.com/office/drawing/2014/main" id="{4EACD490-A066-EC1E-539E-E92201D1C988}"/>
+                <a16:creationId xmlns:a16="http://schemas.microsoft.com/office/drawing/2014/main" id="{547D9269-C47A-A1AF-D799-1E76BAFF67C7}"/>
               </a:ext>
             </a:extLst>
           </p:cNvPr>
@@ -1949,7 +1949,7 @@
           <a:bodyPr/>
           <a:lstStyle/>
           <a:p>
-            <a:fld id="{31FB4B60-FA0B-4F76-BFE0-6ACA4C4B679D}" type="datetimeFigureOut">
+            <a:fld id="{0C1E58D3-8299-4840-B957-52094E636468}" type="datetimeFigureOut">
               <a:rPr lang="zh-CN" altLang="en-US" smtClean="0"/>
               <a:t>2024/3/10</a:t>
             </a:fld>
@@ -1962,7 +1962,7 @@
           <p:cNvPr id="4" name="页脚占位符 3">
             <a:extLst>
               <a:ext uri="{FF2B5EF4-FFF2-40B4-BE49-F238E27FC236}">
-                <a16:creationId xmlns:a16="http://schemas.microsoft.com/office/drawing/2014/main" id="{33E52A43-B4EF-F6EA-6EBD-AE7A1A88077E}"/>
+                <a16:creationId xmlns:a16="http://schemas.microsoft.com/office/drawing/2014/main" id="{63D7FF67-D953-53AD-10F0-AA4706064A23}"/>
               </a:ext>
             </a:extLst>
           </p:cNvPr>
@@ -1987,7 +1987,7 @@
           <p:cNvPr id="5" name="灯片编号占位符 4">
             <a:extLst>
               <a:ext uri="{FF2B5EF4-FFF2-40B4-BE49-F238E27FC236}">
-                <a16:creationId xmlns:a16="http://schemas.microsoft.com/office/drawing/2014/main" id="{48D27A67-9735-0D6C-4B2B-BC30A7BF0C72}"/>
+                <a16:creationId xmlns:a16="http://schemas.microsoft.com/office/drawing/2014/main" id="{71B835B2-7C0B-75F3-FC9D-857208270A0C}"/>
               </a:ext>
             </a:extLst>
           </p:cNvPr>
@@ -2003,7 +2003,7 @@
           <a:bodyPr/>
           <a:lstStyle/>
           <a:p>
-            <a:fld id="{75DF9B90-6794-4D50-9DBE-970EBFE5DBD9}" type="slidenum">
+            <a:fld id="{EDDB2F8A-B382-4345-850A-89479CC4E77A}" type="slidenum">
               <a:rPr lang="zh-CN" altLang="en-US" smtClean="0"/>
               <a:t>‹#›</a:t>
             </a:fld>
@@ -2014,7 +2014,7 @@
     </p:spTree>
     <p:extLst>
       <p:ext uri="{BB962C8B-B14F-4D97-AF65-F5344CB8AC3E}">
-        <p14:creationId xmlns:p14="http://schemas.microsoft.com/office/powerpoint/2010/main" val="712275115"/>
+        <p14:creationId xmlns:p14="http://schemas.microsoft.com/office/powerpoint/2010/main" val="3752752345"/>
       </p:ext>
     </p:extLst>
   </p:cSld>
@@ -2046,7 +2046,7 @@
           <p:cNvPr id="2" name="日期占位符 1">
             <a:extLst>
               <a:ext uri="{FF2B5EF4-FFF2-40B4-BE49-F238E27FC236}">
-                <a16:creationId xmlns:a16="http://schemas.microsoft.com/office/drawing/2014/main" id="{2B2C2E02-3110-13CB-0CB0-20E4D66664C6}"/>
+                <a16:creationId xmlns:a16="http://schemas.microsoft.com/office/drawing/2014/main" id="{4B7FF02F-FA67-9CBD-43BB-B37B0A8CF5A8}"/>
               </a:ext>
             </a:extLst>
           </p:cNvPr>
@@ -2062,7 +2062,7 @@
           <a:bodyPr/>
           <a:lstStyle/>
           <a:p>
-            <a:fld id="{31FB4B60-FA0B-4F76-BFE0-6ACA4C4B679D}" type="datetimeFigureOut">
+            <a:fld id="{0C1E58D3-8299-4840-B957-52094E636468}" type="datetimeFigureOut">
               <a:rPr lang="zh-CN" altLang="en-US" smtClean="0"/>
               <a:t>2024/3/10</a:t>
             </a:fld>
@@ -2075,7 +2075,7 @@
           <p:cNvPr id="3" name="页脚占位符 2">
             <a:extLst>
               <a:ext uri="{FF2B5EF4-FFF2-40B4-BE49-F238E27FC236}">
-                <a16:creationId xmlns:a16="http://schemas.microsoft.com/office/drawing/2014/main" id="{1CDB5F35-526C-85F3-0266-FD75CCE98415}"/>
+                <a16:creationId xmlns:a16="http://schemas.microsoft.com/office/drawing/2014/main" id="{04275566-D4AC-E3D4-93C3-BF35855DCE3B}"/>
               </a:ext>
             </a:extLst>
           </p:cNvPr>
@@ -2100,7 +2100,7 @@
           <p:cNvPr id="4" name="灯片编号占位符 3">
             <a:extLst>
               <a:ext uri="{FF2B5EF4-FFF2-40B4-BE49-F238E27FC236}">
-                <a16:creationId xmlns:a16="http://schemas.microsoft.com/office/drawing/2014/main" id="{05B170C6-48A9-D65F-B25A-5A430133B3A7}"/>
+                <a16:creationId xmlns:a16="http://schemas.microsoft.com/office/drawing/2014/main" id="{3D09B496-9E7F-A364-95BB-CC951595B1A9}"/>
               </a:ext>
             </a:extLst>
           </p:cNvPr>
@@ -2116,7 +2116,7 @@
           <a:bodyPr/>
           <a:lstStyle/>
           <a:p>
-            <a:fld id="{75DF9B90-6794-4D50-9DBE-970EBFE5DBD9}" type="slidenum">
+            <a:fld id="{EDDB2F8A-B382-4345-850A-89479CC4E77A}" type="slidenum">
               <a:rPr lang="zh-CN" altLang="en-US" smtClean="0"/>
               <a:t>‹#›</a:t>
             </a:fld>
@@ -2127,7 +2127,7 @@
     </p:spTree>
     <p:extLst>
       <p:ext uri="{BB962C8B-B14F-4D97-AF65-F5344CB8AC3E}">
-        <p14:creationId xmlns:p14="http://schemas.microsoft.com/office/powerpoint/2010/main" val="281998827"/>
+        <p14:creationId xmlns:p14="http://schemas.microsoft.com/office/powerpoint/2010/main" val="417303992"/>
       </p:ext>
     </p:extLst>
   </p:cSld>
@@ -2159,7 +2159,7 @@
           <p:cNvPr id="2" name="标题 1">
             <a:extLst>
               <a:ext uri="{FF2B5EF4-FFF2-40B4-BE49-F238E27FC236}">
-                <a16:creationId xmlns:a16="http://schemas.microsoft.com/office/drawing/2014/main" id="{4E723C5B-8D04-32DB-B344-B6492DDC1B0E}"/>
+                <a16:creationId xmlns:a16="http://schemas.microsoft.com/office/drawing/2014/main" id="{ACC870E6-A842-2D9D-9027-A8114729262B}"/>
               </a:ext>
             </a:extLst>
           </p:cNvPr>
@@ -2196,7 +2196,7 @@
           <p:cNvPr id="3" name="内容占位符 2">
             <a:extLst>
               <a:ext uri="{FF2B5EF4-FFF2-40B4-BE49-F238E27FC236}">
-                <a16:creationId xmlns:a16="http://schemas.microsoft.com/office/drawing/2014/main" id="{54E3DBDA-42B8-D447-DCC1-352A1593446F}"/>
+                <a16:creationId xmlns:a16="http://schemas.microsoft.com/office/drawing/2014/main" id="{DE197C65-799E-52A3-E457-AF597212780C}"/>
               </a:ext>
             </a:extLst>
           </p:cNvPr>
@@ -2286,7 +2286,7 @@
           <p:cNvPr id="4" name="文本占位符 3">
             <a:extLst>
               <a:ext uri="{FF2B5EF4-FFF2-40B4-BE49-F238E27FC236}">
-                <a16:creationId xmlns:a16="http://schemas.microsoft.com/office/drawing/2014/main" id="{7748F97E-40D7-CF8A-1E22-EA5FB06C669A}"/>
+                <a16:creationId xmlns:a16="http://schemas.microsoft.com/office/drawing/2014/main" id="{4EF90A02-96AA-0A5E-1EDE-F64E04E44AFA}"/>
               </a:ext>
             </a:extLst>
           </p:cNvPr>
@@ -2357,7 +2357,7 @@
           <p:cNvPr id="5" name="日期占位符 4">
             <a:extLst>
               <a:ext uri="{FF2B5EF4-FFF2-40B4-BE49-F238E27FC236}">
-                <a16:creationId xmlns:a16="http://schemas.microsoft.com/office/drawing/2014/main" id="{B9F6A085-ADB8-0E22-BE97-6E8684B1F7A0}"/>
+                <a16:creationId xmlns:a16="http://schemas.microsoft.com/office/drawing/2014/main" id="{463113CD-ACDE-A9E1-C475-9F4D4E0BEB10}"/>
               </a:ext>
             </a:extLst>
           </p:cNvPr>
@@ -2373,7 +2373,7 @@
           <a:bodyPr/>
           <a:lstStyle/>
           <a:p>
-            <a:fld id="{31FB4B60-FA0B-4F76-BFE0-6ACA4C4B679D}" type="datetimeFigureOut">
+            <a:fld id="{0C1E58D3-8299-4840-B957-52094E636468}" type="datetimeFigureOut">
               <a:rPr lang="zh-CN" altLang="en-US" smtClean="0"/>
               <a:t>2024/3/10</a:t>
             </a:fld>
@@ -2386,7 +2386,7 @@
           <p:cNvPr id="6" name="页脚占位符 5">
             <a:extLst>
               <a:ext uri="{FF2B5EF4-FFF2-40B4-BE49-F238E27FC236}">
-                <a16:creationId xmlns:a16="http://schemas.microsoft.com/office/drawing/2014/main" id="{B8065DCA-0F2F-D1F4-22D0-7D89B12E8A8D}"/>
+                <a16:creationId xmlns:a16="http://schemas.microsoft.com/office/drawing/2014/main" id="{D8A6BF94-36BE-CBB4-6616-787AF58D1E2F}"/>
               </a:ext>
             </a:extLst>
           </p:cNvPr>
@@ -2411,7 +2411,7 @@
           <p:cNvPr id="7" name="灯片编号占位符 6">
             <a:extLst>
               <a:ext uri="{FF2B5EF4-FFF2-40B4-BE49-F238E27FC236}">
-                <a16:creationId xmlns:a16="http://schemas.microsoft.com/office/drawing/2014/main" id="{4A90700A-F3FD-BE49-F5D0-9CD93418E343}"/>
+                <a16:creationId xmlns:a16="http://schemas.microsoft.com/office/drawing/2014/main" id="{18E3E28F-B880-37D5-3890-2A6869B269A4}"/>
               </a:ext>
             </a:extLst>
           </p:cNvPr>
@@ -2427,7 +2427,7 @@
           <a:bodyPr/>
           <a:lstStyle/>
           <a:p>
-            <a:fld id="{75DF9B90-6794-4D50-9DBE-970EBFE5DBD9}" type="slidenum">
+            <a:fld id="{EDDB2F8A-B382-4345-850A-89479CC4E77A}" type="slidenum">
               <a:rPr lang="zh-CN" altLang="en-US" smtClean="0"/>
               <a:t>‹#›</a:t>
             </a:fld>
@@ -2438,7 +2438,7 @@
     </p:spTree>
     <p:extLst>
       <p:ext uri="{BB962C8B-B14F-4D97-AF65-F5344CB8AC3E}">
-        <p14:creationId xmlns:p14="http://schemas.microsoft.com/office/powerpoint/2010/main" val="2860540789"/>
+        <p14:creationId xmlns:p14="http://schemas.microsoft.com/office/powerpoint/2010/main" val="932748542"/>
       </p:ext>
     </p:extLst>
   </p:cSld>
@@ -2470,7 +2470,7 @@
           <p:cNvPr id="2" name="标题 1">
             <a:extLst>
               <a:ext uri="{FF2B5EF4-FFF2-40B4-BE49-F238E27FC236}">
-                <a16:creationId xmlns:a16="http://schemas.microsoft.com/office/drawing/2014/main" id="{B38D4DE5-40B2-3275-D61C-F75C42F97114}"/>
+                <a16:creationId xmlns:a16="http://schemas.microsoft.com/office/drawing/2014/main" id="{FB064CEE-258A-A002-2366-E02BF43CF397}"/>
               </a:ext>
             </a:extLst>
           </p:cNvPr>
@@ -2507,7 +2507,7 @@
           <p:cNvPr id="3" name="图片占位符 2">
             <a:extLst>
               <a:ext uri="{FF2B5EF4-FFF2-40B4-BE49-F238E27FC236}">
-                <a16:creationId xmlns:a16="http://schemas.microsoft.com/office/drawing/2014/main" id="{FCC90CF8-5936-4C56-A525-9B7B0BEBDC7F}"/>
+                <a16:creationId xmlns:a16="http://schemas.microsoft.com/office/drawing/2014/main" id="{A1EE5A2B-983E-A8EA-02D8-8D2265E3114F}"/>
               </a:ext>
             </a:extLst>
           </p:cNvPr>
@@ -2574,7 +2574,7 @@
           <p:cNvPr id="4" name="文本占位符 3">
             <a:extLst>
               <a:ext uri="{FF2B5EF4-FFF2-40B4-BE49-F238E27FC236}">
-                <a16:creationId xmlns:a16="http://schemas.microsoft.com/office/drawing/2014/main" id="{3D4D91C1-10D8-1AE8-0A96-05071D83574D}"/>
+                <a16:creationId xmlns:a16="http://schemas.microsoft.com/office/drawing/2014/main" id="{CD0CA3D1-1252-70E0-41A5-CB035FD865E0}"/>
               </a:ext>
             </a:extLst>
           </p:cNvPr>
@@ -2645,7 +2645,7 @@
           <p:cNvPr id="5" name="日期占位符 4">
             <a:extLst>
               <a:ext uri="{FF2B5EF4-FFF2-40B4-BE49-F238E27FC236}">
-                <a16:creationId xmlns:a16="http://schemas.microsoft.com/office/drawing/2014/main" id="{EFA04390-B3C3-C576-AB99-CD6B66E0638B}"/>
+                <a16:creationId xmlns:a16="http://schemas.microsoft.com/office/drawing/2014/main" id="{2CB345A8-5D82-7814-EBCE-F1D1C109334C}"/>
               </a:ext>
             </a:extLst>
           </p:cNvPr>
@@ -2661,7 +2661,7 @@
           <a:bodyPr/>
           <a:lstStyle/>
           <a:p>
-            <a:fld id="{31FB4B60-FA0B-4F76-BFE0-6ACA4C4B679D}" type="datetimeFigureOut">
+            <a:fld id="{0C1E58D3-8299-4840-B957-52094E636468}" type="datetimeFigureOut">
               <a:rPr lang="zh-CN" altLang="en-US" smtClean="0"/>
               <a:t>2024/3/10</a:t>
             </a:fld>
@@ -2674,7 +2674,7 @@
           <p:cNvPr id="6" name="页脚占位符 5">
             <a:extLst>
               <a:ext uri="{FF2B5EF4-FFF2-40B4-BE49-F238E27FC236}">
-                <a16:creationId xmlns:a16="http://schemas.microsoft.com/office/drawing/2014/main" id="{17F7DF95-EF60-CBC5-D475-97B1B8105E8A}"/>
+                <a16:creationId xmlns:a16="http://schemas.microsoft.com/office/drawing/2014/main" id="{722B5104-85FB-D328-A18B-D8B05ED07206}"/>
               </a:ext>
             </a:extLst>
           </p:cNvPr>
@@ -2699,7 +2699,7 @@
           <p:cNvPr id="7" name="灯片编号占位符 6">
             <a:extLst>
               <a:ext uri="{FF2B5EF4-FFF2-40B4-BE49-F238E27FC236}">
-                <a16:creationId xmlns:a16="http://schemas.microsoft.com/office/drawing/2014/main" id="{BF4A2C98-7857-5E19-1632-ECF0176A2B59}"/>
+                <a16:creationId xmlns:a16="http://schemas.microsoft.com/office/drawing/2014/main" id="{58A6596F-A3B3-5690-BC9E-1DAFA1AE1A14}"/>
               </a:ext>
             </a:extLst>
           </p:cNvPr>
@@ -2715,7 +2715,7 @@
           <a:bodyPr/>
           <a:lstStyle/>
           <a:p>
-            <a:fld id="{75DF9B90-6794-4D50-9DBE-970EBFE5DBD9}" type="slidenum">
+            <a:fld id="{EDDB2F8A-B382-4345-850A-89479CC4E77A}" type="slidenum">
               <a:rPr lang="zh-CN" altLang="en-US" smtClean="0"/>
               <a:t>‹#›</a:t>
             </a:fld>
@@ -2726,7 +2726,7 @@
     </p:spTree>
     <p:extLst>
       <p:ext uri="{BB962C8B-B14F-4D97-AF65-F5344CB8AC3E}">
-        <p14:creationId xmlns:p14="http://schemas.microsoft.com/office/powerpoint/2010/main" val="3642709766"/>
+        <p14:creationId xmlns:p14="http://schemas.microsoft.com/office/powerpoint/2010/main" val="1542130842"/>
       </p:ext>
     </p:extLst>
   </p:cSld>
@@ -2763,7 +2763,7 @@
           <p:cNvPr id="2" name="标题占位符 1">
             <a:extLst>
               <a:ext uri="{FF2B5EF4-FFF2-40B4-BE49-F238E27FC236}">
-                <a16:creationId xmlns:a16="http://schemas.microsoft.com/office/drawing/2014/main" id="{E6C82A2A-8604-4EAD-6B8C-23B2F9FDE3F5}"/>
+                <a16:creationId xmlns:a16="http://schemas.microsoft.com/office/drawing/2014/main" id="{982363E7-4DBB-6AE9-51C0-A3FF1F8AE005}"/>
               </a:ext>
             </a:extLst>
           </p:cNvPr>
@@ -2801,7 +2801,7 @@
           <p:cNvPr id="3" name="文本占位符 2">
             <a:extLst>
               <a:ext uri="{FF2B5EF4-FFF2-40B4-BE49-F238E27FC236}">
-                <a16:creationId xmlns:a16="http://schemas.microsoft.com/office/drawing/2014/main" id="{D4364F65-1B81-7B50-4FD1-FCE0FBD04521}"/>
+                <a16:creationId xmlns:a16="http://schemas.microsoft.com/office/drawing/2014/main" id="{FB40501C-0D4F-DEFE-C460-EB1573E80A0E}"/>
               </a:ext>
             </a:extLst>
           </p:cNvPr>
@@ -2868,7 +2868,7 @@
           <p:cNvPr id="4" name="日期占位符 3">
             <a:extLst>
               <a:ext uri="{FF2B5EF4-FFF2-40B4-BE49-F238E27FC236}">
-                <a16:creationId xmlns:a16="http://schemas.microsoft.com/office/drawing/2014/main" id="{674B5983-77C5-27C6-1FBF-FEB2EC465D3D}"/>
+                <a16:creationId xmlns:a16="http://schemas.microsoft.com/office/drawing/2014/main" id="{DAA7BF62-9F4E-E3B8-F329-1B817CB23415}"/>
               </a:ext>
             </a:extLst>
           </p:cNvPr>
@@ -2902,7 +2902,7 @@
             </a:lvl1pPr>
           </a:lstStyle>
           <a:p>
-            <a:fld id="{31FB4B60-FA0B-4F76-BFE0-6ACA4C4B679D}" type="datetimeFigureOut">
+            <a:fld id="{0C1E58D3-8299-4840-B957-52094E636468}" type="datetimeFigureOut">
               <a:rPr lang="zh-CN" altLang="en-US" smtClean="0"/>
               <a:t>2024/3/10</a:t>
             </a:fld>
@@ -2915,7 +2915,7 @@
           <p:cNvPr id="5" name="页脚占位符 4">
             <a:extLst>
               <a:ext uri="{FF2B5EF4-FFF2-40B4-BE49-F238E27FC236}">
-                <a16:creationId xmlns:a16="http://schemas.microsoft.com/office/drawing/2014/main" id="{08D4F83E-9059-255E-3373-9C0651F1D44D}"/>
+                <a16:creationId xmlns:a16="http://schemas.microsoft.com/office/drawing/2014/main" id="{F68DFBE3-58DD-10C0-5479-D06CCD67E82B}"/>
               </a:ext>
             </a:extLst>
           </p:cNvPr>
@@ -2958,7 +2958,7 @@
           <p:cNvPr id="6" name="灯片编号占位符 5">
             <a:extLst>
               <a:ext uri="{FF2B5EF4-FFF2-40B4-BE49-F238E27FC236}">
-                <a16:creationId xmlns:a16="http://schemas.microsoft.com/office/drawing/2014/main" id="{4DE7E283-78C9-0904-783A-39CFE6B4F315}"/>
+                <a16:creationId xmlns:a16="http://schemas.microsoft.com/office/drawing/2014/main" id="{48450A58-949A-0459-554F-3068396E2F38}"/>
               </a:ext>
             </a:extLst>
           </p:cNvPr>
@@ -2992,7 +2992,7 @@
             </a:lvl1pPr>
           </a:lstStyle>
           <a:p>
-            <a:fld id="{75DF9B90-6794-4D50-9DBE-970EBFE5DBD9}" type="slidenum">
+            <a:fld id="{EDDB2F8A-B382-4345-850A-89479CC4E77A}" type="slidenum">
               <a:rPr lang="zh-CN" altLang="en-US" smtClean="0"/>
               <a:t>‹#›</a:t>
             </a:fld>
@@ -3003,7 +3003,7 @@
     </p:spTree>
     <p:extLst>
       <p:ext uri="{BB962C8B-B14F-4D97-AF65-F5344CB8AC3E}">
-        <p14:creationId xmlns:p14="http://schemas.microsoft.com/office/powerpoint/2010/main" val="3454642940"/>
+        <p14:creationId xmlns:p14="http://schemas.microsoft.com/office/powerpoint/2010/main" val="387120794"/>
       </p:ext>
     </p:extLst>
   </p:cSld>
@@ -3323,7 +3323,7 @@
       </p:grpSpPr>
       <p:pic>
         <p:nvPicPr>
-          <p:cNvPr id="1124354" name="Picture 2" descr="1097"/>
+          <p:cNvPr id="1125378" name="Picture 2" descr="1098"/>
           <p:cNvPicPr>
             <a:picLocks noChangeAspect="1" noChangeArrowheads="1"/>
           </p:cNvPicPr>
@@ -3344,8 +3344,8 @@
         </p:blipFill>
         <p:spPr bwMode="auto">
           <a:xfrm>
-            <a:off x="1524001" y="0"/>
-            <a:ext cx="9053513" cy="6789738"/>
+            <a:off x="1543050" y="14288"/>
+            <a:ext cx="9124950" cy="6843712"/>
           </a:xfrm>
           <a:prstGeom prst="rect">
             <a:avLst/>
@@ -3375,158 +3375,11 @@
           </a:extLst>
         </p:spPr>
       </p:pic>
-      <p:pic>
-        <p:nvPicPr>
-          <p:cNvPr id="1125379" name="Picture 3" descr="1097-2"/>
-          <p:cNvPicPr>
-            <a:picLocks noChangeAspect="1" noChangeArrowheads="1"/>
-          </p:cNvPicPr>
-          <p:nvPr/>
-        </p:nvPicPr>
-        <p:blipFill>
-          <a:blip r:embed="rId3">
-            <a:extLst>
-              <a:ext uri="{28A0092B-C50C-407E-A947-70E740481C1C}">
-                <a14:useLocalDpi xmlns:a14="http://schemas.microsoft.com/office/drawing/2010/main" val="0"/>
-              </a:ext>
-            </a:extLst>
-          </a:blip>
-          <a:srcRect/>
-          <a:stretch>
-            <a:fillRect/>
-          </a:stretch>
-        </p:blipFill>
-        <p:spPr bwMode="auto">
-          <a:xfrm>
-            <a:off x="1524001" y="-14288"/>
-            <a:ext cx="9121775" cy="6827838"/>
-          </a:xfrm>
-          <a:prstGeom prst="rect">
-            <a:avLst/>
-          </a:prstGeom>
-          <a:noFill/>
-          <a:ln>
-            <a:noFill/>
-          </a:ln>
-          <a:effectLst/>
-          <a:extLst>
-            <a:ext uri="{909E8E84-426E-40DD-AFC4-6F175D3DCCD1}">
-              <a14:hiddenFill xmlns:a14="http://schemas.microsoft.com/office/drawing/2010/main">
-                <a:solidFill>
-                  <a:srgbClr val="FFFFFF"/>
-                </a:solidFill>
-              </a14:hiddenFill>
-            </a:ext>
-            <a:ext uri="{91240B29-F687-4F45-9708-019B960494DF}">
-              <a14:hiddenLine xmlns:a14="http://schemas.microsoft.com/office/drawing/2010/main" w="9525">
-                <a:solidFill>
-                  <a:srgbClr val="000000"/>
-                </a:solidFill>
-                <a:miter lim="800000"/>
-                <a:headEnd/>
-                <a:tailEnd/>
-              </a14:hiddenLine>
-            </a:ext>
-            <a:ext uri="{AF507438-7753-43E0-B8FC-AC1667EBCBE1}">
-              <a14:hiddenEffects xmlns:a14="http://schemas.microsoft.com/office/drawing/2010/main">
-                <a:effectLst>
-                  <a:outerShdw dist="35921" dir="2700000" algn="ctr" rotWithShape="0">
-                    <a:srgbClr val="808080"/>
-                  </a:outerShdw>
-                </a:effectLst>
-              </a14:hiddenEffects>
-            </a:ext>
-          </a:extLst>
-        </p:spPr>
-      </p:pic>
     </p:spTree>
   </p:cSld>
   <p:clrMapOvr>
     <a:masterClrMapping/>
   </p:clrMapOvr>
-  <p:timing>
-    <p:tnLst>
-      <p:par>
-        <p:cTn id="1" dur="indefinite" restart="never" nodeType="tmRoot">
-          <p:childTnLst>
-            <p:seq concurrent="1" nextAc="seek">
-              <p:cTn id="2" dur="indefinite" nodeType="mainSeq">
-                <p:childTnLst>
-                  <p:par>
-                    <p:cTn id="3" fill="hold" nodeType="clickPar">
-                      <p:stCondLst>
-                        <p:cond delay="indefinite"/>
-                      </p:stCondLst>
-                      <p:childTnLst>
-                        <p:par>
-                          <p:cTn id="4" fill="hold" nodeType="withGroup">
-                            <p:stCondLst>
-                              <p:cond delay="0"/>
-                            </p:stCondLst>
-                            <p:childTnLst>
-                              <p:par>
-                                <p:cTn id="5" presetID="10" presetClass="entr" presetSubtype="0" fill="hold" nodeType="clickEffect">
-                                  <p:stCondLst>
-                                    <p:cond delay="0"/>
-                                  </p:stCondLst>
-                                  <p:childTnLst>
-                                    <p:set>
-                                      <p:cBhvr>
-                                        <p:cTn id="6" dur="1" fill="hold">
-                                          <p:stCondLst>
-                                            <p:cond delay="0"/>
-                                          </p:stCondLst>
-                                        </p:cTn>
-                                        <p:tgtEl>
-                                          <p:spTgt spid="1125379"/>
-                                        </p:tgtEl>
-                                        <p:attrNameLst>
-                                          <p:attrName>style.visibility</p:attrName>
-                                        </p:attrNameLst>
-                                      </p:cBhvr>
-                                      <p:to>
-                                        <p:strVal val="visible"/>
-                                      </p:to>
-                                    </p:set>
-                                    <p:animEffect transition="in" filter="fade">
-                                      <p:cBhvr>
-                                        <p:cTn id="7" dur="500"/>
-                                        <p:tgtEl>
-                                          <p:spTgt spid="1125379"/>
-                                        </p:tgtEl>
-                                      </p:cBhvr>
-                                    </p:animEffect>
-                                  </p:childTnLst>
-                                </p:cTn>
-                              </p:par>
-                            </p:childTnLst>
-                          </p:cTn>
-                        </p:par>
-                      </p:childTnLst>
-                    </p:cTn>
-                  </p:par>
-                </p:childTnLst>
-              </p:cTn>
-              <p:prevCondLst>
-                <p:cond evt="onPrev" delay="0">
-                  <p:tgtEl>
-                    <p:sldTgt/>
-                  </p:tgtEl>
-                </p:cond>
-              </p:prevCondLst>
-              <p:nextCondLst>
-                <p:cond evt="onNext" delay="0">
-                  <p:tgtEl>
-                    <p:sldTgt/>
-                  </p:tgtEl>
-                </p:cond>
-              </p:nextCondLst>
-            </p:seq>
-          </p:childTnLst>
-        </p:cTn>
-      </p:par>
-    </p:tnLst>
-  </p:timing>
 </p:sld>
 </file>
 
